--- a/doc/sqa/FARM_SQA_Status_Dashboard.pptx
+++ b/doc/sqa/FARM_SQA_Status_Dashboard.pptx
@@ -302,7 +302,7 @@
           <a:p>
             <a:fld id="{E6D1C339-CAC1-4443-897F-22558BB31AC2}" type="datetimeFigureOut">
               <a:rPr lang="en-US" smtClean="0"/>
-              <a:t>2/16/2022</a:t>
+              <a:t>3/10/2022</a:t>
             </a:fld>
             <a:endParaRPr lang="en-US" dirty="0"/>
           </a:p>
@@ -470,7 +470,7 @@
           <a:p>
             <a:fld id="{E6D1C339-CAC1-4443-897F-22558BB31AC2}" type="datetimeFigureOut">
               <a:rPr lang="en-US" smtClean="0"/>
-              <a:t>2/16/2022</a:t>
+              <a:t>3/10/2022</a:t>
             </a:fld>
             <a:endParaRPr lang="en-US" dirty="0"/>
           </a:p>
@@ -648,7 +648,7 @@
           <a:p>
             <a:fld id="{E6D1C339-CAC1-4443-897F-22558BB31AC2}" type="datetimeFigureOut">
               <a:rPr lang="en-US" smtClean="0"/>
-              <a:t>2/16/2022</a:t>
+              <a:t>3/10/2022</a:t>
             </a:fld>
             <a:endParaRPr lang="en-US" dirty="0"/>
           </a:p>
@@ -816,7 +816,7 @@
           <a:p>
             <a:fld id="{E6D1C339-CAC1-4443-897F-22558BB31AC2}" type="datetimeFigureOut">
               <a:rPr lang="en-US" smtClean="0"/>
-              <a:t>2/16/2022</a:t>
+              <a:t>3/10/2022</a:t>
             </a:fld>
             <a:endParaRPr lang="en-US" dirty="0"/>
           </a:p>
@@ -1061,7 +1061,7 @@
           <a:p>
             <a:fld id="{E6D1C339-CAC1-4443-897F-22558BB31AC2}" type="datetimeFigureOut">
               <a:rPr lang="en-US" smtClean="0"/>
-              <a:t>2/16/2022</a:t>
+              <a:t>3/10/2022</a:t>
             </a:fld>
             <a:endParaRPr lang="en-US" dirty="0"/>
           </a:p>
@@ -1346,7 +1346,7 @@
           <a:p>
             <a:fld id="{E6D1C339-CAC1-4443-897F-22558BB31AC2}" type="datetimeFigureOut">
               <a:rPr lang="en-US" smtClean="0"/>
-              <a:t>2/16/2022</a:t>
+              <a:t>3/10/2022</a:t>
             </a:fld>
             <a:endParaRPr lang="en-US" dirty="0"/>
           </a:p>
@@ -1765,7 +1765,7 @@
           <a:p>
             <a:fld id="{E6D1C339-CAC1-4443-897F-22558BB31AC2}" type="datetimeFigureOut">
               <a:rPr lang="en-US" smtClean="0"/>
-              <a:t>2/16/2022</a:t>
+              <a:t>3/10/2022</a:t>
             </a:fld>
             <a:endParaRPr lang="en-US" dirty="0"/>
           </a:p>
@@ -1882,7 +1882,7 @@
           <a:p>
             <a:fld id="{E6D1C339-CAC1-4443-897F-22558BB31AC2}" type="datetimeFigureOut">
               <a:rPr lang="en-US" smtClean="0"/>
-              <a:t>2/16/2022</a:t>
+              <a:t>3/10/2022</a:t>
             </a:fld>
             <a:endParaRPr lang="en-US" dirty="0"/>
           </a:p>
@@ -1977,7 +1977,7 @@
           <a:p>
             <a:fld id="{E6D1C339-CAC1-4443-897F-22558BB31AC2}" type="datetimeFigureOut">
               <a:rPr lang="en-US" smtClean="0"/>
-              <a:t>2/16/2022</a:t>
+              <a:t>3/10/2022</a:t>
             </a:fld>
             <a:endParaRPr lang="en-US" dirty="0"/>
           </a:p>
@@ -2252,7 +2252,7 @@
           <a:p>
             <a:fld id="{E6D1C339-CAC1-4443-897F-22558BB31AC2}" type="datetimeFigureOut">
               <a:rPr lang="en-US" smtClean="0"/>
-              <a:t>2/16/2022</a:t>
+              <a:t>3/10/2022</a:t>
             </a:fld>
             <a:endParaRPr lang="en-US" dirty="0"/>
           </a:p>
@@ -2504,7 +2504,7 @@
           <a:p>
             <a:fld id="{E6D1C339-CAC1-4443-897F-22558BB31AC2}" type="datetimeFigureOut">
               <a:rPr lang="en-US" smtClean="0"/>
-              <a:t>2/16/2022</a:t>
+              <a:t>3/10/2022</a:t>
             </a:fld>
             <a:endParaRPr lang="en-US" dirty="0"/>
           </a:p>
@@ -2715,7 +2715,7 @@
           <a:p>
             <a:fld id="{E6D1C339-CAC1-4443-897F-22558BB31AC2}" type="datetimeFigureOut">
               <a:rPr lang="en-US" smtClean="0"/>
-              <a:t>2/16/2022</a:t>
+              <a:t>3/10/2022</a:t>
             </a:fld>
             <a:endParaRPr lang="en-US" dirty="0"/>
           </a:p>
@@ -6853,7 +6853,7 @@
             <a:p>
               <a:r>
                 <a:rPr lang="en-US" sz="1000" dirty="0"/>
-                <a:t>02/16/2022</a:t>
+                <a:t>03/08/2022</a:t>
               </a:r>
             </a:p>
           </p:txBody>
